--- a/Journal_presentation/The Effort Savings from Using NLP to Classify.pptx
+++ b/Journal_presentation/The Effort Savings from Using NLP to Classify.pptx
@@ -11391,7 +11391,7 @@
               <a:rPr lang="en-IN" sz="4800" b="1" dirty="0" smtClean="0">
                 <a:latin typeface="Calibri" pitchFamily="34" charset="0"/>
               </a:rPr>
-              <a:t>Results</a:t>
+              <a:t>Case Study Results</a:t>
             </a:r>
             <a:endParaRPr lang="en-IN" sz="4800" b="1" dirty="0">
               <a:latin typeface="Calibri" pitchFamily="34" charset="0"/>
@@ -11896,7 +11896,7 @@
               <a:rPr lang="en-IN" sz="4800" b="1" dirty="0" smtClean="0">
                 <a:latin typeface="Calibri" pitchFamily="34" charset="0"/>
               </a:rPr>
-              <a:t>Design</a:t>
+              <a:t>Experiment Design</a:t>
             </a:r>
             <a:endParaRPr lang="en-IN" sz="4800" b="1" dirty="0">
               <a:latin typeface="Calibri" pitchFamily="34" charset="0"/>
@@ -12062,7 +12062,7 @@
               <a:rPr lang="en-IN" sz="4800" b="1" dirty="0" smtClean="0">
                 <a:latin typeface="Calibri" pitchFamily="34" charset="0"/>
               </a:rPr>
-              <a:t>Design</a:t>
+              <a:t>Experiment Design</a:t>
             </a:r>
             <a:endParaRPr lang="en-IN" sz="4800" b="1" dirty="0">
               <a:latin typeface="Calibri" pitchFamily="34" charset="0"/>
@@ -12279,7 +12279,7 @@
               <a:rPr lang="en-IN" sz="4800" b="1" dirty="0" smtClean="0">
                 <a:latin typeface="Calibri" pitchFamily="34" charset="0"/>
               </a:rPr>
-              <a:t>Results</a:t>
+              <a:t>Experiment Results</a:t>
             </a:r>
             <a:endParaRPr lang="en-IN" sz="4800" b="1" dirty="0">
               <a:latin typeface="Calibri" pitchFamily="34" charset="0"/>
@@ -12572,7 +12572,7 @@
               <a:rPr lang="en-IN" sz="4800" b="1" dirty="0" smtClean="0">
                 <a:latin typeface="Calibri" pitchFamily="34" charset="0"/>
               </a:rPr>
-              <a:t>Results</a:t>
+              <a:t>Experiment Results</a:t>
             </a:r>
             <a:endParaRPr lang="en-IN" sz="4800" b="1" dirty="0">
               <a:latin typeface="Calibri" pitchFamily="34" charset="0"/>
@@ -15410,7 +15410,7 @@
               <a:rPr lang="en-IN" sz="4800" b="1" dirty="0" smtClean="0">
                 <a:latin typeface="Calibri" pitchFamily="34" charset="0"/>
               </a:rPr>
-              <a:t>Approach</a:t>
+              <a:t>Case Study Approach</a:t>
             </a:r>
             <a:endParaRPr lang="en-IN" sz="4800" b="1" dirty="0">
               <a:latin typeface="Calibri" pitchFamily="34" charset="0"/>
@@ -15626,7 +15626,7 @@
               <a:rPr lang="en-IN" sz="4800" b="1" dirty="0" smtClean="0">
                 <a:latin typeface="Calibri" pitchFamily="34" charset="0"/>
               </a:rPr>
-              <a:t>Results</a:t>
+              <a:t>Case study Results</a:t>
             </a:r>
             <a:endParaRPr lang="en-IN" sz="4800" b="1" dirty="0">
               <a:latin typeface="Calibri" pitchFamily="34" charset="0"/>
@@ -15812,7 +15812,7 @@
               <a:rPr lang="en-IN" sz="4800" b="1" dirty="0" smtClean="0">
                 <a:latin typeface="Calibri" pitchFamily="34" charset="0"/>
               </a:rPr>
-              <a:t>Results</a:t>
+              <a:t>Case study Results</a:t>
             </a:r>
             <a:endParaRPr lang="en-IN" sz="4800" b="1" dirty="0">
               <a:latin typeface="Calibri" pitchFamily="34" charset="0"/>

--- a/Journal_presentation/The Effort Savings from Using NLP to Classify.pptx
+++ b/Journal_presentation/The Effort Savings from Using NLP to Classify.pptx
@@ -11376,7 +11376,7 @@
         </p:nvSpPr>
         <p:spPr>
           <a:xfrm>
-            <a:off x="571472" y="714356"/>
+            <a:off x="500034" y="428604"/>
             <a:ext cx="7772400" cy="1470025"/>
           </a:xfrm>
         </p:spPr>
@@ -11411,7 +11411,7 @@
         </p:nvSpPr>
         <p:spPr>
           <a:xfrm>
-            <a:off x="500034" y="2214554"/>
+            <a:off x="500034" y="1785926"/>
             <a:ext cx="8358246" cy="3857652"/>
           </a:xfrm>
           <a:noFill/>
@@ -11679,7 +11679,7 @@
         </p:nvSpPr>
         <p:spPr>
           <a:xfrm>
-            <a:off x="571472" y="714356"/>
+            <a:off x="571472" y="500042"/>
             <a:ext cx="7772400" cy="1470025"/>
           </a:xfrm>
         </p:spPr>
@@ -11881,7 +11881,7 @@
         </p:nvSpPr>
         <p:spPr>
           <a:xfrm>
-            <a:off x="571472" y="714356"/>
+            <a:off x="571472" y="500042"/>
             <a:ext cx="7772400" cy="1470025"/>
           </a:xfrm>
         </p:spPr>
@@ -11916,7 +11916,7 @@
         </p:nvSpPr>
         <p:spPr>
           <a:xfrm>
-            <a:off x="500034" y="2214554"/>
+            <a:off x="428596" y="1928802"/>
             <a:ext cx="8358246" cy="3857652"/>
           </a:xfrm>
           <a:noFill/>
@@ -12047,7 +12047,7 @@
         </p:nvSpPr>
         <p:spPr>
           <a:xfrm>
-            <a:off x="571472" y="714356"/>
+            <a:off x="428596" y="428604"/>
             <a:ext cx="7772400" cy="1470025"/>
           </a:xfrm>
         </p:spPr>
@@ -12082,7 +12082,7 @@
         </p:nvSpPr>
         <p:spPr>
           <a:xfrm>
-            <a:off x="500034" y="2214554"/>
+            <a:off x="500034" y="1785926"/>
             <a:ext cx="8358246" cy="3857652"/>
           </a:xfrm>
           <a:noFill/>
@@ -12264,7 +12264,7 @@
         </p:nvSpPr>
         <p:spPr>
           <a:xfrm>
-            <a:off x="571472" y="714356"/>
+            <a:off x="571472" y="428604"/>
             <a:ext cx="7772400" cy="1470025"/>
           </a:xfrm>
         </p:spPr>
@@ -12299,7 +12299,7 @@
         </p:nvSpPr>
         <p:spPr>
           <a:xfrm>
-            <a:off x="500034" y="2214554"/>
+            <a:off x="500034" y="2000240"/>
             <a:ext cx="8358246" cy="3857652"/>
           </a:xfrm>
           <a:noFill/>
@@ -12557,7 +12557,7 @@
         </p:nvSpPr>
         <p:spPr>
           <a:xfrm>
-            <a:off x="571472" y="714356"/>
+            <a:off x="500034" y="357166"/>
             <a:ext cx="7772400" cy="1470025"/>
           </a:xfrm>
         </p:spPr>
@@ -12592,7 +12592,7 @@
         </p:nvSpPr>
         <p:spPr>
           <a:xfrm>
-            <a:off x="500034" y="2214554"/>
+            <a:off x="500034" y="1785926"/>
             <a:ext cx="8358246" cy="3857652"/>
           </a:xfrm>
           <a:noFill/>
@@ -12756,7 +12756,7 @@
         </p:nvSpPr>
         <p:spPr>
           <a:xfrm>
-            <a:off x="571472" y="0"/>
+            <a:off x="571472" y="214290"/>
             <a:ext cx="7772400" cy="1470025"/>
           </a:xfrm>
         </p:spPr>
@@ -12898,7 +12898,7 @@
               <a:buAutoNum type="arabicParenR"/>
             </a:pPr>
             <a:r>
-              <a:rPr lang="en-IN" sz="2000" b="1" dirty="0" smtClean="0">
+              <a:rPr lang="en-IN" sz="2200" b="1" dirty="0" smtClean="0">
                 <a:solidFill>
                   <a:schemeClr val="tx1"/>
                 </a:solidFill>
@@ -12907,7 +12907,7 @@
               <a:t>Industrial case study: </a:t>
             </a:r>
             <a:r>
-              <a:rPr lang="en-IN" sz="2000" dirty="0" smtClean="0">
+              <a:rPr lang="en-IN" sz="2200" dirty="0" smtClean="0">
                 <a:solidFill>
                   <a:schemeClr val="tx1"/>
                 </a:solidFill>
@@ -12922,7 +12922,7 @@
               <a:buAutoNum type="arabicParenR"/>
             </a:pPr>
             <a:r>
-              <a:rPr lang="en-IN" sz="2000" b="1" dirty="0" smtClean="0">
+              <a:rPr lang="en-IN" sz="2200" b="1" dirty="0" smtClean="0">
                 <a:solidFill>
                   <a:schemeClr val="tx1"/>
                 </a:solidFill>
@@ -12931,7 +12931,7 @@
               <a:t>Experiment:</a:t>
             </a:r>
             <a:r>
-              <a:rPr lang="en-IN" sz="2000" dirty="0" smtClean="0">
+              <a:rPr lang="en-IN" sz="2200" dirty="0" smtClean="0">
                 <a:solidFill>
                   <a:schemeClr val="tx1"/>
                 </a:solidFill>
@@ -12946,7 +12946,7 @@
               <a:buAutoNum type="arabicParenR"/>
             </a:pPr>
             <a:r>
-              <a:rPr lang="en-IN" sz="2000" b="1" dirty="0" smtClean="0">
+              <a:rPr lang="en-IN" sz="2200" b="1" dirty="0" smtClean="0">
                 <a:solidFill>
                   <a:schemeClr val="tx1"/>
                 </a:solidFill>
@@ -12955,7 +12955,7 @@
               <a:t>Combining Results: </a:t>
             </a:r>
             <a:r>
-              <a:rPr lang="en-IN" sz="2000" dirty="0" smtClean="0">
+              <a:rPr lang="en-IN" sz="2200" dirty="0" smtClean="0">
                 <a:solidFill>
                   <a:schemeClr val="tx1"/>
                 </a:solidFill>
@@ -12969,7 +12969,7 @@
               <a:buFont typeface="Arial"/>
               <a:buAutoNum type="arabicParenR"/>
             </a:pPr>
-            <a:endParaRPr lang="en-IN" sz="2000" b="1" dirty="0" smtClean="0">
+            <a:endParaRPr lang="en-IN" sz="2200" b="1" dirty="0" smtClean="0">
               <a:solidFill>
                 <a:schemeClr val="tx1"/>
               </a:solidFill>
@@ -13022,7 +13022,7 @@
         </p:nvSpPr>
         <p:spPr>
           <a:xfrm>
-            <a:off x="571472" y="714356"/>
+            <a:off x="571472" y="357166"/>
             <a:ext cx="7772400" cy="1470025"/>
           </a:xfrm>
         </p:spPr>
@@ -13057,7 +13057,7 @@
         </p:nvSpPr>
         <p:spPr>
           <a:xfrm>
-            <a:off x="571472" y="2285992"/>
+            <a:off x="571472" y="1857364"/>
             <a:ext cx="7858180" cy="3500462"/>
           </a:xfrm>
         </p:spPr>
@@ -13067,7 +13067,6 @@
           </a:bodyPr>
           <a:lstStyle/>
           <a:p>
-            <a:pPr algn="l"/>
             <a:r>
               <a:rPr lang="en-IN" sz="2000" dirty="0" smtClean="0">
                 <a:solidFill>
@@ -13364,7 +13363,7 @@
         </p:nvSpPr>
         <p:spPr>
           <a:xfrm>
-            <a:off x="500034" y="500042"/>
+            <a:off x="500034" y="357166"/>
             <a:ext cx="7772400" cy="1470025"/>
           </a:xfrm>
         </p:spPr>
@@ -13399,7 +13398,7 @@
         </p:nvSpPr>
         <p:spPr>
           <a:xfrm>
-            <a:off x="500034" y="2143116"/>
+            <a:off x="500034" y="1714488"/>
             <a:ext cx="8358246" cy="3857652"/>
           </a:xfrm>
           <a:noFill/>
@@ -14720,7 +14719,7 @@
         </p:nvSpPr>
         <p:spPr>
           <a:xfrm>
-            <a:off x="571472" y="714356"/>
+            <a:off x="571472" y="500042"/>
             <a:ext cx="7772400" cy="1470025"/>
           </a:xfrm>
         </p:spPr>
@@ -14954,7 +14953,7 @@
         </p:nvSpPr>
         <p:spPr>
           <a:xfrm>
-            <a:off x="571472" y="714356"/>
+            <a:off x="571472" y="428604"/>
             <a:ext cx="7772400" cy="1470025"/>
           </a:xfrm>
         </p:spPr>
@@ -15182,7 +15181,7 @@
         </p:nvSpPr>
         <p:spPr>
           <a:xfrm>
-            <a:off x="571472" y="500042"/>
+            <a:off x="500034" y="357166"/>
             <a:ext cx="7772400" cy="1470025"/>
           </a:xfrm>
         </p:spPr>
@@ -15217,7 +15216,7 @@
         </p:nvSpPr>
         <p:spPr>
           <a:xfrm>
-            <a:off x="500034" y="2000240"/>
+            <a:off x="500034" y="1785926"/>
             <a:ext cx="8143932" cy="3857652"/>
           </a:xfrm>
         </p:spPr>
@@ -15395,7 +15394,7 @@
         </p:nvSpPr>
         <p:spPr>
           <a:xfrm>
-            <a:off x="571472" y="714356"/>
+            <a:off x="571472" y="357166"/>
             <a:ext cx="7772400" cy="1470025"/>
           </a:xfrm>
         </p:spPr>
@@ -15430,7 +15429,7 @@
         </p:nvSpPr>
         <p:spPr>
           <a:xfrm>
-            <a:off x="500034" y="2214554"/>
+            <a:off x="500034" y="1785926"/>
             <a:ext cx="8358246" cy="3857652"/>
           </a:xfrm>
         </p:spPr>
@@ -15611,7 +15610,7 @@
         </p:nvSpPr>
         <p:spPr>
           <a:xfrm>
-            <a:off x="571472" y="714356"/>
+            <a:off x="500034" y="428604"/>
             <a:ext cx="7772400" cy="1470025"/>
           </a:xfrm>
         </p:spPr>
@@ -15646,7 +15645,7 @@
         </p:nvSpPr>
         <p:spPr>
           <a:xfrm>
-            <a:off x="500034" y="2214554"/>
+            <a:off x="428596" y="1857364"/>
             <a:ext cx="8358246" cy="3857652"/>
           </a:xfrm>
         </p:spPr>
@@ -15797,7 +15796,7 @@
         </p:nvSpPr>
         <p:spPr>
           <a:xfrm>
-            <a:off x="571472" y="714356"/>
+            <a:off x="500034" y="357166"/>
             <a:ext cx="7772400" cy="1470025"/>
           </a:xfrm>
         </p:spPr>
@@ -15832,7 +15831,7 @@
         </p:nvSpPr>
         <p:spPr>
           <a:xfrm>
-            <a:off x="500034" y="2214554"/>
+            <a:off x="428596" y="1785926"/>
             <a:ext cx="8358246" cy="3857652"/>
           </a:xfrm>
           <a:noFill/>

--- a/Journal_presentation/The Effort Savings from Using NLP to Classify.pptx
+++ b/Journal_presentation/The Effort Savings from Using NLP to Classify.pptx
@@ -6,7 +6,7 @@
     <p:sldMasterId id="2147483674" r:id="rId2"/>
   </p:sldMasterIdLst>
   <p:notesMasterIdLst>
-    <p:notesMasterId r:id="rId27"/>
+    <p:notesMasterId r:id="rId29"/>
   </p:notesMasterIdLst>
   <p:sldIdLst>
     <p:sldId id="256" r:id="rId3"/>
@@ -29,10 +29,12 @@
     <p:sldId id="282" r:id="rId20"/>
     <p:sldId id="284" r:id="rId21"/>
     <p:sldId id="285" r:id="rId22"/>
-    <p:sldId id="286" r:id="rId23"/>
-    <p:sldId id="287" r:id="rId24"/>
-    <p:sldId id="288" r:id="rId25"/>
-    <p:sldId id="264" r:id="rId26"/>
+    <p:sldId id="290" r:id="rId23"/>
+    <p:sldId id="289" r:id="rId24"/>
+    <p:sldId id="286" r:id="rId25"/>
+    <p:sldId id="287" r:id="rId26"/>
+    <p:sldId id="288" r:id="rId27"/>
+    <p:sldId id="264" r:id="rId28"/>
   </p:sldIdLst>
   <p:sldSz cx="9144000" cy="6858000" type="screen4x3"/>
   <p:notesSz cx="6858000" cy="9144000"/>
@@ -4178,6 +4180,18 @@
           </a:bodyPr>
           <a:lstStyle/>
           <a:p>
+            <a:r>
+              <a:rPr lang="en-IN" dirty="0" smtClean="0"/>
+              <a:t>Figure</a:t>
+            </a:r>
+            <a:r>
+              <a:rPr lang="en-IN" baseline="0" dirty="0" smtClean="0"/>
+              <a:t> 3 = figure 1 </a:t>
+            </a:r>
+            <a:r>
+              <a:rPr lang="en-IN" baseline="0" smtClean="0"/>
+              <a:t>+ figure 2</a:t>
+            </a:r>
             <a:endParaRPr lang="en-IN" dirty="0"/>
           </a:p>
         </p:txBody>
@@ -4201,6 +4215,182 @@
               <a:rPr lang="en-IN" smtClean="0"/>
               <a:pPr/>
               <a:t>24</a:t>
+            </a:fld>
+            <a:endParaRPr lang="en-IN"/>
+          </a:p>
+        </p:txBody>
+      </p:sp>
+    </p:spTree>
+  </p:cSld>
+  <p:clrMapOvr>
+    <a:masterClrMapping/>
+  </p:clrMapOvr>
+</p:notes>
+</file>
+
+<file path=ppt/notesSlides/notesSlide24.xml><?xml version="1.0" encoding="utf-8"?>
+<p:notes xmlns:a="http://schemas.openxmlformats.org/drawingml/2006/main" xmlns:r="http://schemas.openxmlformats.org/officeDocument/2006/relationships" xmlns:p="http://schemas.openxmlformats.org/presentationml/2006/main">
+  <p:cSld>
+    <p:spTree>
+      <p:nvGrpSpPr>
+        <p:cNvPr id="1" name=""/>
+        <p:cNvGrpSpPr/>
+        <p:nvPr/>
+      </p:nvGrpSpPr>
+      <p:grpSpPr>
+        <a:xfrm>
+          <a:off x="0" y="0"/>
+          <a:ext cx="0" cy="0"/>
+          <a:chOff x="0" y="0"/>
+          <a:chExt cx="0" cy="0"/>
+        </a:xfrm>
+      </p:grpSpPr>
+      <p:sp>
+        <p:nvSpPr>
+          <p:cNvPr id="2" name="Slide Image Placeholder 1"/>
+          <p:cNvSpPr>
+            <a:spLocks noGrp="1" noRot="1" noChangeAspect="1"/>
+          </p:cNvSpPr>
+          <p:nvPr>
+            <p:ph type="sldImg"/>
+          </p:nvPr>
+        </p:nvSpPr>
+        <p:spPr/>
+      </p:sp>
+      <p:sp>
+        <p:nvSpPr>
+          <p:cNvPr id="3" name="Notes Placeholder 2"/>
+          <p:cNvSpPr>
+            <a:spLocks noGrp="1"/>
+          </p:cNvSpPr>
+          <p:nvPr>
+            <p:ph type="body" idx="1"/>
+          </p:nvPr>
+        </p:nvSpPr>
+        <p:spPr/>
+        <p:txBody>
+          <a:bodyPr>
+            <a:normAutofit/>
+          </a:bodyPr>
+          <a:lstStyle/>
+          <a:p>
+            <a:r>
+              <a:rPr lang="en-IN" dirty="0" smtClean="0"/>
+              <a:t>Figure</a:t>
+            </a:r>
+            <a:r>
+              <a:rPr lang="en-IN" baseline="0" dirty="0" smtClean="0"/>
+              <a:t> 3 = figure 1 </a:t>
+            </a:r>
+            <a:r>
+              <a:rPr lang="en-IN" baseline="0" smtClean="0"/>
+              <a:t>+ figure 2</a:t>
+            </a:r>
+            <a:endParaRPr lang="en-IN" dirty="0"/>
+          </a:p>
+        </p:txBody>
+      </p:sp>
+      <p:sp>
+        <p:nvSpPr>
+          <p:cNvPr id="4" name="Slide Number Placeholder 3"/>
+          <p:cNvSpPr>
+            <a:spLocks noGrp="1"/>
+          </p:cNvSpPr>
+          <p:nvPr>
+            <p:ph type="sldNum" sz="quarter" idx="10"/>
+          </p:nvPr>
+        </p:nvSpPr>
+        <p:spPr/>
+        <p:txBody>
+          <a:bodyPr/>
+          <a:lstStyle/>
+          <a:p>
+            <a:fld id="{868E6EDD-878B-443C-B0D5-5F9E5DAAE19E}" type="slidenum">
+              <a:rPr lang="en-IN" smtClean="0"/>
+              <a:pPr/>
+              <a:t>25</a:t>
+            </a:fld>
+            <a:endParaRPr lang="en-IN"/>
+          </a:p>
+        </p:txBody>
+      </p:sp>
+    </p:spTree>
+  </p:cSld>
+  <p:clrMapOvr>
+    <a:masterClrMapping/>
+  </p:clrMapOvr>
+</p:notes>
+</file>
+
+<file path=ppt/notesSlides/notesSlide25.xml><?xml version="1.0" encoding="utf-8"?>
+<p:notes xmlns:a="http://schemas.openxmlformats.org/drawingml/2006/main" xmlns:r="http://schemas.openxmlformats.org/officeDocument/2006/relationships" xmlns:p="http://schemas.openxmlformats.org/presentationml/2006/main">
+  <p:cSld>
+    <p:spTree>
+      <p:nvGrpSpPr>
+        <p:cNvPr id="1" name=""/>
+        <p:cNvGrpSpPr/>
+        <p:nvPr/>
+      </p:nvGrpSpPr>
+      <p:grpSpPr>
+        <a:xfrm>
+          <a:off x="0" y="0"/>
+          <a:ext cx="0" cy="0"/>
+          <a:chOff x="0" y="0"/>
+          <a:chExt cx="0" cy="0"/>
+        </a:xfrm>
+      </p:grpSpPr>
+      <p:sp>
+        <p:nvSpPr>
+          <p:cNvPr id="2" name="Slide Image Placeholder 1"/>
+          <p:cNvSpPr>
+            <a:spLocks noGrp="1" noRot="1" noChangeAspect="1"/>
+          </p:cNvSpPr>
+          <p:nvPr>
+            <p:ph type="sldImg"/>
+          </p:nvPr>
+        </p:nvSpPr>
+        <p:spPr/>
+      </p:sp>
+      <p:sp>
+        <p:nvSpPr>
+          <p:cNvPr id="3" name="Notes Placeholder 2"/>
+          <p:cNvSpPr>
+            <a:spLocks noGrp="1"/>
+          </p:cNvSpPr>
+          <p:nvPr>
+            <p:ph type="body" idx="1"/>
+          </p:nvPr>
+        </p:nvSpPr>
+        <p:spPr/>
+        <p:txBody>
+          <a:bodyPr>
+            <a:normAutofit/>
+          </a:bodyPr>
+          <a:lstStyle/>
+          <a:p>
+            <a:endParaRPr lang="en-IN" dirty="0"/>
+          </a:p>
+        </p:txBody>
+      </p:sp>
+      <p:sp>
+        <p:nvSpPr>
+          <p:cNvPr id="4" name="Slide Number Placeholder 3"/>
+          <p:cNvSpPr>
+            <a:spLocks noGrp="1"/>
+          </p:cNvSpPr>
+          <p:nvPr>
+            <p:ph type="sldNum" sz="quarter" idx="10"/>
+          </p:nvPr>
+        </p:nvSpPr>
+        <p:spPr/>
+        <p:txBody>
+          <a:bodyPr/>
+          <a:lstStyle/>
+          <a:p>
+            <a:fld id="{868E6EDD-878B-443C-B0D5-5F9E5DAAE19E}" type="slidenum">
+              <a:rPr lang="en-IN" smtClean="0"/>
+              <a:pPr/>
+              <a:t>26</a:t>
             </a:fld>
             <a:endParaRPr lang="en-IN"/>
           </a:p>
@@ -13528,7 +13718,25 @@
                 </a:solidFill>
                 <a:latin typeface="Calibri" pitchFamily="34" charset="0"/>
               </a:rPr>
-              <a:t>Average Expected effort savings using porter Stemmer NLP </a:t>
+              <a:t>Average Expected effort savings using </a:t>
+            </a:r>
+            <a:r>
+              <a:rPr lang="en-IN" sz="2000" dirty="0" smtClean="0">
+                <a:solidFill>
+                  <a:schemeClr val="tx1"/>
+                </a:solidFill>
+                <a:latin typeface="Calibri" pitchFamily="34" charset="0"/>
+              </a:rPr>
+              <a:t>Simple </a:t>
+            </a:r>
+            <a:r>
+              <a:rPr lang="en-IN" sz="2000" dirty="0" smtClean="0">
+                <a:solidFill>
+                  <a:schemeClr val="tx1"/>
+                </a:solidFill>
+                <a:latin typeface="Calibri" pitchFamily="34" charset="0"/>
+              </a:rPr>
+              <a:t>NLP </a:t>
             </a:r>
             <a:r>
               <a:rPr lang="en-IN" sz="2000" dirty="0" smtClean="0">
@@ -13670,7 +13878,7 @@
         </p:nvSpPr>
         <p:spPr>
           <a:xfrm>
-            <a:off x="500034" y="285728"/>
+            <a:off x="500034" y="357166"/>
             <a:ext cx="7772400" cy="1470025"/>
           </a:xfrm>
         </p:spPr>
@@ -13685,7 +13893,13 @@
               <a:rPr lang="en-IN" sz="4800" b="1" dirty="0" smtClean="0">
                 <a:latin typeface="Calibri" pitchFamily="34" charset="0"/>
               </a:rPr>
-              <a:t>Validity Threats:</a:t>
+              <a:t>Final</a:t>
+            </a:r>
+            <a:r>
+              <a:rPr lang="en-IN" sz="4800" b="1" dirty="0" smtClean="0">
+                <a:latin typeface="Calibri" pitchFamily="34" charset="0"/>
+              </a:rPr>
+              <a:t> Results</a:t>
             </a:r>
             <a:endParaRPr lang="en-IN" sz="4800" b="1" dirty="0">
               <a:latin typeface="Calibri" pitchFamily="34" charset="0"/>
@@ -13693,120 +13907,302 @@
           </a:p>
         </p:txBody>
       </p:sp>
-      <p:sp>
-        <p:nvSpPr>
-          <p:cNvPr id="3" name="Subtitle 2"/>
-          <p:cNvSpPr>
-            <a:spLocks noGrp="1"/>
-          </p:cNvSpPr>
-          <p:nvPr>
-            <p:ph type="subTitle" idx="1"/>
-          </p:nvPr>
-        </p:nvSpPr>
-        <p:spPr>
-          <a:xfrm>
-            <a:off x="571472" y="1643050"/>
-            <a:ext cx="8358246" cy="3857652"/>
-          </a:xfrm>
-          <a:noFill/>
-        </p:spPr>
-        <p:txBody>
-          <a:bodyPr>
-            <a:normAutofit/>
-          </a:bodyPr>
-          <a:lstStyle/>
-          <a:p>
-            <a:pPr lvl="1" indent="-457200" algn="l">
-              <a:buAutoNum type="arabicParenR"/>
-            </a:pPr>
-            <a:r>
-              <a:rPr lang="en-IN" sz="2000" dirty="0" smtClean="0">
-                <a:solidFill>
-                  <a:schemeClr val="tx1"/>
-                </a:solidFill>
-                <a:latin typeface="Calibri" pitchFamily="34" charset="0"/>
-              </a:rPr>
-              <a:t>Cross randomised design enables subjects to apply or not apply the changes in random order.</a:t>
-            </a:r>
-          </a:p>
-          <a:p>
-            <a:pPr lvl="1" indent="-457200" algn="l">
-              <a:buAutoNum type="arabicParenR"/>
-            </a:pPr>
-            <a:r>
-              <a:rPr lang="en-IN" sz="2000" dirty="0" smtClean="0">
-                <a:solidFill>
-                  <a:schemeClr val="tx1"/>
-                </a:solidFill>
-                <a:latin typeface="Calibri" pitchFamily="34" charset="0"/>
-              </a:rPr>
-              <a:t>Forces subjects to analyse the entire sets within specific amount of time.</a:t>
-            </a:r>
-          </a:p>
-          <a:p>
-            <a:pPr lvl="1" indent="-457200" algn="l">
-              <a:buAutoNum type="arabicParenR"/>
-            </a:pPr>
-            <a:r>
-              <a:rPr lang="en-IN" sz="2000" dirty="0" smtClean="0">
-                <a:solidFill>
-                  <a:schemeClr val="tx1"/>
-                </a:solidFill>
-                <a:latin typeface="Calibri" pitchFamily="34" charset="0"/>
-              </a:rPr>
-              <a:t>Used Balanced proportion of non-equivalent requirements</a:t>
-            </a:r>
-          </a:p>
-          <a:p>
-            <a:pPr lvl="1" indent="-457200" algn="l">
-              <a:buAutoNum type="arabicParenR"/>
-            </a:pPr>
-            <a:r>
-              <a:rPr lang="en-IN" sz="2000" dirty="0" smtClean="0">
-                <a:solidFill>
-                  <a:schemeClr val="tx1"/>
-                </a:solidFill>
-                <a:latin typeface="Calibri" pitchFamily="34" charset="0"/>
-              </a:rPr>
-              <a:t>Reliability is computed based on the expert’s classification</a:t>
-            </a:r>
-          </a:p>
-          <a:p>
-            <a:pPr lvl="1" indent="-457200" algn="l">
-              <a:buAutoNum type="arabicParenR"/>
-            </a:pPr>
-            <a:r>
-              <a:rPr lang="en-IN" sz="2000" dirty="0" smtClean="0">
-                <a:solidFill>
-                  <a:schemeClr val="tx1"/>
-                </a:solidFill>
-                <a:latin typeface="Calibri" pitchFamily="34" charset="0"/>
-              </a:rPr>
-              <a:t>Sanitizing industrial requirements for the experiment</a:t>
-            </a:r>
-          </a:p>
-          <a:p>
-            <a:pPr lvl="1" indent="-457200" algn="l">
-              <a:buAutoNum type="arabicParenR"/>
-            </a:pPr>
-            <a:r>
-              <a:rPr lang="en-IN" sz="2000" dirty="0" smtClean="0">
-                <a:solidFill>
-                  <a:schemeClr val="tx1"/>
-                </a:solidFill>
-                <a:latin typeface="Calibri" pitchFamily="34" charset="0"/>
-              </a:rPr>
-              <a:t>Students Vs Professionals</a:t>
-            </a:r>
-            <a:endParaRPr lang="en-IN" sz="2000" dirty="0" smtClean="0">
-              <a:solidFill>
-                <a:schemeClr val="tx1"/>
-              </a:solidFill>
-              <a:latin typeface="Calibri" pitchFamily="34" charset="0"/>
-            </a:endParaRPr>
-          </a:p>
-        </p:txBody>
-      </p:sp>
+      <p:graphicFrame>
+        <p:nvGraphicFramePr>
+          <p:cNvPr id="4" name="Table 3"/>
+          <p:cNvGraphicFramePr>
+            <a:graphicFrameLocks noGrp="1"/>
+          </p:cNvGraphicFramePr>
+          <p:nvPr/>
+        </p:nvGraphicFramePr>
+        <p:xfrm>
+          <a:off x="-2" y="2071678"/>
+          <a:ext cx="9144004" cy="2590805"/>
+        </p:xfrm>
+        <a:graphic>
+          <a:graphicData uri="http://schemas.openxmlformats.org/drawingml/2006/table">
+            <a:tbl>
+              <a:tblPr firstRow="1" bandRow="1">
+                <a:tableStyleId>{5C22544A-7EE6-4342-B048-85BDC9FD1C3A}</a:tableStyleId>
+              </a:tblPr>
+              <a:tblGrid>
+                <a:gridCol w="2286001"/>
+                <a:gridCol w="2286001"/>
+                <a:gridCol w="2286001"/>
+                <a:gridCol w="2286001"/>
+              </a:tblGrid>
+              <a:tr h="762005">
+                <a:tc>
+                  <a:txBody>
+                    <a:bodyPr/>
+                    <a:lstStyle/>
+                    <a:p>
+                      <a:pPr algn="ctr"/>
+                      <a:endParaRPr lang="en-IN" dirty="0"/>
+                    </a:p>
+                  </a:txBody>
+                  <a:tcPr anchor="ctr"/>
+                </a:tc>
+                <a:tc>
+                  <a:txBody>
+                    <a:bodyPr/>
+                    <a:lstStyle/>
+                    <a:p>
+                      <a:pPr algn="ctr"/>
+                      <a:r>
+                        <a:rPr lang="en-IN" dirty="0" smtClean="0"/>
+                        <a:t>Without NLP </a:t>
+                      </a:r>
+                    </a:p>
+                    <a:p>
+                      <a:pPr algn="ctr"/>
+                      <a:r>
+                        <a:rPr lang="en-IN" dirty="0" smtClean="0"/>
+                        <a:t>(19.95s/classification)</a:t>
+                      </a:r>
+                      <a:endParaRPr lang="en-IN" dirty="0"/>
+                    </a:p>
+                  </a:txBody>
+                  <a:tcPr anchor="ctr"/>
+                </a:tc>
+                <a:tc>
+                  <a:txBody>
+                    <a:bodyPr/>
+                    <a:lstStyle/>
+                    <a:p>
+                      <a:pPr algn="ctr"/>
+                      <a:r>
+                        <a:rPr lang="en-IN" dirty="0" smtClean="0"/>
+                        <a:t>Using best NLP</a:t>
+                      </a:r>
+                    </a:p>
+                    <a:p>
+                      <a:pPr algn="ctr"/>
+                      <a:r>
+                        <a:rPr lang="en-IN" dirty="0" smtClean="0"/>
+                        <a:t>(17.48s/classification)</a:t>
+                      </a:r>
+                      <a:endParaRPr lang="en-IN" dirty="0"/>
+                    </a:p>
+                  </a:txBody>
+                  <a:tcPr anchor="ctr"/>
+                </a:tc>
+                <a:tc>
+                  <a:txBody>
+                    <a:bodyPr/>
+                    <a:lstStyle/>
+                    <a:p>
+                      <a:pPr algn="ctr"/>
+                      <a:r>
+                        <a:rPr lang="en-IN" dirty="0" smtClean="0"/>
+                        <a:t>Using Worst NLP</a:t>
+                      </a:r>
+                    </a:p>
+                    <a:p>
+                      <a:pPr algn="ctr"/>
+                      <a:r>
+                        <a:rPr lang="en-IN" dirty="0" smtClean="0"/>
+                        <a:t>(21.82s/classification)</a:t>
+                      </a:r>
+                      <a:endParaRPr lang="en-IN" dirty="0"/>
+                    </a:p>
+                  </a:txBody>
+                  <a:tcPr anchor="ctr"/>
+                </a:tc>
+              </a:tr>
+              <a:tr h="762005">
+                <a:tc>
+                  <a:txBody>
+                    <a:bodyPr/>
+                    <a:lstStyle/>
+                    <a:p>
+                      <a:r>
+                        <a:rPr lang="en-IN" dirty="0" smtClean="0"/>
+                        <a:t>Time</a:t>
+                      </a:r>
+                      <a:r>
+                        <a:rPr lang="en-IN" baseline="0" dirty="0" smtClean="0"/>
+                        <a:t> for classifying 983 Requirement pairs</a:t>
+                      </a:r>
+                      <a:endParaRPr lang="en-IN" dirty="0"/>
+                    </a:p>
+                  </a:txBody>
+                  <a:tcPr anchor="ctr"/>
+                </a:tc>
+                <a:tc>
+                  <a:txBody>
+                    <a:bodyPr/>
+                    <a:lstStyle/>
+                    <a:p>
+                      <a:r>
+                        <a:rPr lang="en-IN" sz="1800" kern="1200" baseline="0" dirty="0" smtClean="0">
+                          <a:solidFill>
+                            <a:schemeClr val="dk1"/>
+                          </a:solidFill>
+                          <a:latin typeface="+mn-lt"/>
+                          <a:ea typeface="+mn-ea"/>
+                          <a:cs typeface="+mn-cs"/>
+                        </a:rPr>
+                        <a:t>5.45 person-hours</a:t>
+                      </a:r>
+                      <a:endParaRPr lang="en-IN" dirty="0"/>
+                    </a:p>
+                  </a:txBody>
+                  <a:tcPr anchor="ctr"/>
+                </a:tc>
+                <a:tc>
+                  <a:txBody>
+                    <a:bodyPr/>
+                    <a:lstStyle/>
+                    <a:p>
+                      <a:pPr algn="ctr"/>
+                      <a:r>
+                        <a:rPr lang="en-IN" sz="1800" kern="1200" baseline="0" dirty="0" smtClean="0">
+                          <a:solidFill>
+                            <a:schemeClr val="dk1"/>
+                          </a:solidFill>
+                          <a:latin typeface="+mn-lt"/>
+                          <a:ea typeface="+mn-ea"/>
+                          <a:cs typeface="+mn-cs"/>
+                        </a:rPr>
+                        <a:t>4.7 person-hours</a:t>
+                      </a:r>
+                      <a:endParaRPr lang="en-IN" dirty="0"/>
+                    </a:p>
+                  </a:txBody>
+                  <a:tcPr anchor="ctr"/>
+                </a:tc>
+                <a:tc>
+                  <a:txBody>
+                    <a:bodyPr/>
+                    <a:lstStyle/>
+                    <a:p>
+                      <a:pPr algn="ctr"/>
+                      <a:r>
+                        <a:rPr lang="en-IN" sz="1800" kern="1200" baseline="0" dirty="0" smtClean="0">
+                          <a:solidFill>
+                            <a:schemeClr val="dk1"/>
+                          </a:solidFill>
+                          <a:latin typeface="+mn-lt"/>
+                          <a:ea typeface="+mn-ea"/>
+                          <a:cs typeface="+mn-cs"/>
+                        </a:rPr>
+                        <a:t>5.95 person-hours</a:t>
+                      </a:r>
+                      <a:endParaRPr lang="en-IN" dirty="0"/>
+                    </a:p>
+                  </a:txBody>
+                  <a:tcPr anchor="ctr"/>
+                </a:tc>
+              </a:tr>
+              <a:tr h="762005">
+                <a:tc>
+                  <a:txBody>
+                    <a:bodyPr/>
+                    <a:lstStyle/>
+                    <a:p>
+                      <a:pPr marL="0" marR="0" indent="0" algn="ctr" defTabSz="457200" rtl="0" eaLnBrk="1" fontAlgn="auto" latinLnBrk="0" hangingPunct="1">
+                        <a:lnSpc>
+                          <a:spcPct val="100000"/>
+                        </a:lnSpc>
+                        <a:spcBef>
+                          <a:spcPts val="0"/>
+                        </a:spcBef>
+                        <a:spcAft>
+                          <a:spcPts val="0"/>
+                        </a:spcAft>
+                        <a:buClrTx/>
+                        <a:buSzTx/>
+                        <a:buFontTx/>
+                        <a:buNone/>
+                        <a:tabLst/>
+                        <a:defRPr/>
+                      </a:pPr>
+                      <a:r>
+                        <a:rPr lang="en-IN" dirty="0" smtClean="0"/>
+                        <a:t>Time</a:t>
+                      </a:r>
+                      <a:r>
+                        <a:rPr lang="en-IN" baseline="0" dirty="0" smtClean="0"/>
+                        <a:t> for classifying 3 million Requirement pairs</a:t>
+                      </a:r>
+                      <a:endParaRPr lang="en-IN" dirty="0" smtClean="0"/>
+                    </a:p>
+                  </a:txBody>
+                  <a:tcPr anchor="ctr"/>
+                </a:tc>
+                <a:tc>
+                  <a:txBody>
+                    <a:bodyPr/>
+                    <a:lstStyle/>
+                    <a:p>
+                      <a:pPr algn="ctr"/>
+                      <a:r>
+                        <a:rPr lang="en-IN" dirty="0" smtClean="0"/>
+                        <a:t>X</a:t>
+                      </a:r>
+                      <a:endParaRPr lang="en-IN" dirty="0"/>
+                    </a:p>
+                  </a:txBody>
+                  <a:tcPr anchor="ctr"/>
+                </a:tc>
+                <a:tc>
+                  <a:txBody>
+                    <a:bodyPr/>
+                    <a:lstStyle/>
+                    <a:p>
+                      <a:pPr algn="ctr"/>
+                      <a:r>
+                        <a:rPr lang="en-IN" dirty="0" smtClean="0"/>
+                        <a:t>X - </a:t>
+                      </a:r>
+                      <a:r>
+                        <a:rPr lang="en-IN" sz="1800" kern="1200" baseline="0" dirty="0" smtClean="0">
+                          <a:solidFill>
+                            <a:schemeClr val="dk1"/>
+                          </a:solidFill>
+                          <a:latin typeface="+mn-lt"/>
+                          <a:ea typeface="+mn-ea"/>
+                          <a:cs typeface="+mn-cs"/>
+                        </a:rPr>
+                        <a:t>15 person-months</a:t>
+                      </a:r>
+                      <a:endParaRPr lang="en-IN" dirty="0"/>
+                    </a:p>
+                  </a:txBody>
+                  <a:tcPr anchor="ctr"/>
+                </a:tc>
+                <a:tc>
+                  <a:txBody>
+                    <a:bodyPr/>
+                    <a:lstStyle/>
+                    <a:p>
+                      <a:pPr algn="ctr"/>
+                      <a:r>
+                        <a:rPr lang="en-IN" dirty="0" smtClean="0"/>
+                        <a:t>X + </a:t>
+                      </a:r>
+                      <a:r>
+                        <a:rPr lang="en-IN" sz="1800" kern="1200" baseline="0" dirty="0" smtClean="0">
+                          <a:solidFill>
+                            <a:schemeClr val="dk1"/>
+                          </a:solidFill>
+                          <a:latin typeface="+mn-lt"/>
+                          <a:ea typeface="+mn-ea"/>
+                          <a:cs typeface="+mn-cs"/>
+                        </a:rPr>
+                        <a:t>11 person-months</a:t>
+                      </a:r>
+                      <a:endParaRPr lang="en-IN" dirty="0"/>
+                    </a:p>
+                  </a:txBody>
+                  <a:tcPr anchor="ctr"/>
+                </a:tc>
+              </a:tr>
+            </a:tbl>
+          </a:graphicData>
+        </a:graphic>
+      </p:graphicFrame>
     </p:spTree>
   </p:cSld>
   <p:clrMapOvr>
@@ -13851,7 +14247,7 @@
         </p:nvSpPr>
         <p:spPr>
           <a:xfrm>
-            <a:off x="500034" y="285728"/>
+            <a:off x="500034" y="-214338"/>
             <a:ext cx="7772400" cy="1470025"/>
           </a:xfrm>
         </p:spPr>
@@ -13866,7 +14262,7 @@
               <a:rPr lang="en-IN" sz="4800" b="1" dirty="0" smtClean="0">
                 <a:latin typeface="Calibri" pitchFamily="34" charset="0"/>
               </a:rPr>
-              <a:t>Related Work:</a:t>
+              <a:t>Final Result</a:t>
             </a:r>
             <a:endParaRPr lang="en-IN" sz="4800" b="1" dirty="0">
               <a:latin typeface="Calibri" pitchFamily="34" charset="0"/>
@@ -13874,216 +14270,30 @@
           </a:p>
         </p:txBody>
       </p:sp>
-      <p:sp>
-        <p:nvSpPr>
-          <p:cNvPr id="3" name="Subtitle 2"/>
-          <p:cNvSpPr>
-            <a:spLocks noGrp="1"/>
-          </p:cNvSpPr>
-          <p:nvPr>
-            <p:ph type="subTitle" idx="1"/>
-          </p:nvPr>
-        </p:nvSpPr>
+      <p:pic>
+        <p:nvPicPr>
+          <p:cNvPr id="4" name="Picture 3" descr="effort vs NLPs.PNG"/>
+          <p:cNvPicPr>
+            <a:picLocks noChangeAspect="1"/>
+          </p:cNvPicPr>
+          <p:nvPr/>
+        </p:nvPicPr>
+        <p:blipFill>
+          <a:blip r:embed="rId3"/>
+          <a:stretch>
+            <a:fillRect/>
+          </a:stretch>
+        </p:blipFill>
         <p:spPr>
           <a:xfrm>
-            <a:off x="571472" y="1643050"/>
-            <a:ext cx="8358246" cy="3857652"/>
+            <a:off x="642910" y="785794"/>
+            <a:ext cx="7786742" cy="5849167"/>
           </a:xfrm>
-          <a:noFill/>
+          <a:prstGeom prst="rect">
+            <a:avLst/>
+          </a:prstGeom>
         </p:spPr>
-        <p:txBody>
-          <a:bodyPr>
-            <a:normAutofit/>
-          </a:bodyPr>
-          <a:lstStyle/>
-          <a:p>
-            <a:pPr lvl="1" indent="-457200" algn="l">
-              <a:buFont typeface="Arial"/>
-              <a:buAutoNum type="arabicParenR"/>
-            </a:pPr>
-            <a:r>
-              <a:rPr lang="en-IN" sz="2000" dirty="0" smtClean="0">
-                <a:solidFill>
-                  <a:schemeClr val="tx1"/>
-                </a:solidFill>
-                <a:latin typeface="Calibri" pitchFamily="34" charset="0"/>
-              </a:rPr>
-              <a:t>“</a:t>
-            </a:r>
-            <a:r>
-              <a:rPr lang="en-IN" sz="2000" b="1" dirty="0" smtClean="0">
-                <a:solidFill>
-                  <a:schemeClr val="tx1"/>
-                </a:solidFill>
-                <a:latin typeface="Calibri" pitchFamily="34" charset="0"/>
-              </a:rPr>
-              <a:t>A practical guide to </a:t>
-            </a:r>
-            <a:r>
-              <a:rPr lang="en-IN" sz="2000" b="1" dirty="0" smtClean="0">
-                <a:solidFill>
-                  <a:schemeClr val="tx1"/>
-                </a:solidFill>
-                <a:latin typeface="Calibri" pitchFamily="34" charset="0"/>
-              </a:rPr>
-              <a:t>product line scoping</a:t>
-            </a:r>
-            <a:r>
-              <a:rPr lang="en-IN" sz="2000" dirty="0" smtClean="0">
-                <a:solidFill>
-                  <a:schemeClr val="tx1"/>
-                </a:solidFill>
-                <a:latin typeface="Calibri" pitchFamily="34" charset="0"/>
-              </a:rPr>
-              <a:t>” report industrial case study where information retrieval techniques reduced the analysts cognitive load by 60%.</a:t>
-            </a:r>
-          </a:p>
-          <a:p>
-            <a:pPr lvl="1" indent="-457200" algn="l">
-              <a:buFont typeface="Arial"/>
-              <a:buAutoNum type="arabicParenR"/>
-            </a:pPr>
-            <a:r>
-              <a:rPr lang="en-IN" sz="2000" dirty="0" smtClean="0">
-                <a:solidFill>
-                  <a:schemeClr val="tx1"/>
-                </a:solidFill>
-                <a:latin typeface="Calibri" pitchFamily="34" charset="0"/>
-              </a:rPr>
-              <a:t> Other paper </a:t>
-            </a:r>
-            <a:r>
-              <a:rPr lang="en-IN" sz="2000" dirty="0" smtClean="0">
-                <a:solidFill>
-                  <a:schemeClr val="tx1"/>
-                </a:solidFill>
-                <a:latin typeface="Calibri" pitchFamily="34" charset="0"/>
-              </a:rPr>
-              <a:t>report </a:t>
-            </a:r>
-            <a:r>
-              <a:rPr lang="en-IN" sz="2000" dirty="0" smtClean="0">
-                <a:solidFill>
-                  <a:schemeClr val="tx1"/>
-                </a:solidFill>
-                <a:latin typeface="Calibri" pitchFamily="34" charset="0"/>
-              </a:rPr>
-              <a:t>a controlled experiment </a:t>
-            </a:r>
-            <a:r>
-              <a:rPr lang="en-IN" sz="2000" dirty="0" smtClean="0">
-                <a:solidFill>
-                  <a:schemeClr val="tx1"/>
-                </a:solidFill>
-                <a:latin typeface="Calibri" pitchFamily="34" charset="0"/>
-              </a:rPr>
-              <a:t>where the </a:t>
-            </a:r>
-            <a:r>
-              <a:rPr lang="en-IN" sz="2000" dirty="0" smtClean="0">
-                <a:solidFill>
-                  <a:schemeClr val="tx1"/>
-                </a:solidFill>
-                <a:latin typeface="Calibri" pitchFamily="34" charset="0"/>
-              </a:rPr>
-              <a:t>adoption of </a:t>
-            </a:r>
-            <a:r>
-              <a:rPr lang="en-IN" sz="2000" dirty="0" smtClean="0">
-                <a:solidFill>
-                  <a:schemeClr val="tx1"/>
-                </a:solidFill>
-                <a:latin typeface="Calibri" pitchFamily="34" charset="0"/>
-              </a:rPr>
-              <a:t>the </a:t>
-            </a:r>
-            <a:r>
-              <a:rPr lang="en-IN" sz="2000" dirty="0" err="1" smtClean="0">
-                <a:solidFill>
-                  <a:schemeClr val="tx1"/>
-                </a:solidFill>
-                <a:latin typeface="Calibri" pitchFamily="34" charset="0"/>
-              </a:rPr>
-              <a:t>ReqSimile</a:t>
-            </a:r>
-            <a:r>
-              <a:rPr lang="en-IN" sz="2000" dirty="0" smtClean="0">
-                <a:solidFill>
-                  <a:schemeClr val="tx1"/>
-                </a:solidFill>
-                <a:latin typeface="Calibri" pitchFamily="34" charset="0"/>
-              </a:rPr>
-              <a:t> tool </a:t>
-            </a:r>
-            <a:r>
-              <a:rPr lang="en-IN" sz="2000" dirty="0" smtClean="0">
-                <a:solidFill>
-                  <a:schemeClr val="tx1"/>
-                </a:solidFill>
-                <a:latin typeface="Calibri" pitchFamily="34" charset="0"/>
-              </a:rPr>
-              <a:t>improved correctness </a:t>
-            </a:r>
-            <a:r>
-              <a:rPr lang="en-IN" sz="2000" dirty="0" smtClean="0">
-                <a:solidFill>
-                  <a:schemeClr val="tx1"/>
-                </a:solidFill>
-                <a:latin typeface="Calibri" pitchFamily="34" charset="0"/>
-              </a:rPr>
-              <a:t>and decreased effort </a:t>
-            </a:r>
-            <a:r>
-              <a:rPr lang="en-IN" sz="2000" dirty="0" smtClean="0">
-                <a:solidFill>
-                  <a:schemeClr val="tx1"/>
-                </a:solidFill>
-                <a:latin typeface="Calibri" pitchFamily="34" charset="0"/>
-              </a:rPr>
-              <a:t>in linking </a:t>
-            </a:r>
-            <a:r>
-              <a:rPr lang="en-IN" sz="2000" dirty="0" smtClean="0">
-                <a:solidFill>
-                  <a:schemeClr val="tx1"/>
-                </a:solidFill>
-                <a:latin typeface="Calibri" pitchFamily="34" charset="0"/>
-              </a:rPr>
-              <a:t>similar requirements</a:t>
-            </a:r>
-            <a:r>
-              <a:rPr lang="en-IN" sz="2000" dirty="0" smtClean="0">
-                <a:solidFill>
-                  <a:schemeClr val="tx1"/>
-                </a:solidFill>
-                <a:latin typeface="Calibri" pitchFamily="34" charset="0"/>
-              </a:rPr>
-              <a:t>.</a:t>
-            </a:r>
-          </a:p>
-          <a:p>
-            <a:pPr lvl="1" indent="-457200" algn="l">
-              <a:buFont typeface="Arial"/>
-              <a:buAutoNum type="arabicParenR"/>
-            </a:pPr>
-            <a:r>
-              <a:rPr lang="en-IN" sz="2000" dirty="0" smtClean="0">
-                <a:solidFill>
-                  <a:schemeClr val="tx1"/>
-                </a:solidFill>
-                <a:latin typeface="Calibri" pitchFamily="34" charset="0"/>
-              </a:rPr>
-              <a:t>The main difference between this paper and above paper is that we study the impact of similarity measure to subjects instead of providing both measure and ranking of all requirement pairs.</a:t>
-            </a:r>
-            <a:endParaRPr lang="en-IN" sz="2000" dirty="0" smtClean="0">
-              <a:solidFill>
-                <a:schemeClr val="tx1"/>
-              </a:solidFill>
-              <a:latin typeface="Calibri" pitchFamily="34" charset="0"/>
-            </a:endParaRPr>
-          </a:p>
-        </p:txBody>
-      </p:sp>
+      </p:pic>
     </p:spTree>
   </p:cSld>
   <p:clrMapOvr>
@@ -14143,7 +14353,7 @@
               <a:rPr lang="en-IN" sz="4800" b="1" dirty="0" smtClean="0">
                 <a:latin typeface="Calibri" pitchFamily="34" charset="0"/>
               </a:rPr>
-              <a:t>Conclusion</a:t>
+              <a:t>Validity Threats:</a:t>
             </a:r>
             <a:endParaRPr lang="en-IN" sz="4800" b="1" dirty="0">
               <a:latin typeface="Calibri" pitchFamily="34" charset="0"/>
@@ -14175,7 +14385,6 @@
           <a:lstStyle/>
           <a:p>
             <a:pPr lvl="1" indent="-457200" algn="l">
-              <a:buFont typeface="Arial"/>
               <a:buAutoNum type="arabicParenR"/>
             </a:pPr>
             <a:r>
@@ -14185,45 +14394,79 @@
                 </a:solidFill>
                 <a:latin typeface="Calibri" pitchFamily="34" charset="0"/>
               </a:rPr>
-              <a:t>Even though NLP techniques have been the subjects of several research investigations, still cannot compare which one is better than another in specific contexts.</a:t>
+              <a:t>Cross randomised design enables subjects to apply or not apply the changes in random order.</a:t>
             </a:r>
           </a:p>
           <a:p>
             <a:pPr lvl="1" indent="-457200" algn="l">
-              <a:buFont typeface="Arial"/>
               <a:buAutoNum type="arabicParenR"/>
             </a:pPr>
-            <a:endParaRPr lang="en-IN" sz="2000" dirty="0" smtClean="0">
-              <a:solidFill>
-                <a:schemeClr val="tx1"/>
-              </a:solidFill>
-              <a:latin typeface="Calibri" pitchFamily="34" charset="0"/>
-            </a:endParaRPr>
+            <a:r>
+              <a:rPr lang="en-IN" sz="2000" dirty="0" smtClean="0">
+                <a:solidFill>
+                  <a:schemeClr val="tx1"/>
+                </a:solidFill>
+                <a:latin typeface="Calibri" pitchFamily="34" charset="0"/>
+              </a:rPr>
+              <a:t>Forces subjects to analyse the entire sets within specific amount of time.</a:t>
+            </a:r>
           </a:p>
           <a:p>
             <a:pPr lvl="1" indent="-457200" algn="l">
-              <a:buFont typeface="Arial"/>
               <a:buAutoNum type="arabicParenR"/>
             </a:pPr>
             <a:r>
-              <a:rPr lang="en-IN" sz="2000" b="1" dirty="0" smtClean="0">
-                <a:solidFill>
-                  <a:schemeClr val="tx1"/>
-                </a:solidFill>
-                <a:latin typeface="Calibri" pitchFamily="34" charset="0"/>
-              </a:rPr>
-              <a:t>Future Work: </a:t>
-            </a:r>
-            <a:r>
               <a:rPr lang="en-IN" sz="2000" dirty="0" smtClean="0">
                 <a:solidFill>
                   <a:schemeClr val="tx1"/>
                 </a:solidFill>
                 <a:latin typeface="Calibri" pitchFamily="34" charset="0"/>
               </a:rPr>
-              <a:t>Effort saving using NLP techniques to establish requirement relations like ( inclusion, exclusion) different from equivalence.</a:t>
-            </a:r>
-            <a:endParaRPr lang="en-IN" sz="2000" b="1" dirty="0" smtClean="0">
+              <a:t>Used Balanced proportion of non-equivalent requirements</a:t>
+            </a:r>
+          </a:p>
+          <a:p>
+            <a:pPr lvl="1" indent="-457200" algn="l">
+              <a:buAutoNum type="arabicParenR"/>
+            </a:pPr>
+            <a:r>
+              <a:rPr lang="en-IN" sz="2000" dirty="0" smtClean="0">
+                <a:solidFill>
+                  <a:schemeClr val="tx1"/>
+                </a:solidFill>
+                <a:latin typeface="Calibri" pitchFamily="34" charset="0"/>
+              </a:rPr>
+              <a:t>Reliability is computed based on the expert’s classification</a:t>
+            </a:r>
+          </a:p>
+          <a:p>
+            <a:pPr lvl="1" indent="-457200" algn="l">
+              <a:buAutoNum type="arabicParenR"/>
+            </a:pPr>
+            <a:r>
+              <a:rPr lang="en-IN" sz="2000" dirty="0" smtClean="0">
+                <a:solidFill>
+                  <a:schemeClr val="tx1"/>
+                </a:solidFill>
+                <a:latin typeface="Calibri" pitchFamily="34" charset="0"/>
+              </a:rPr>
+              <a:t>Sanitizing industrial requirements for the experiment</a:t>
+            </a:r>
+          </a:p>
+          <a:p>
+            <a:pPr lvl="1" indent="-457200" algn="l">
+              <a:buAutoNum type="arabicParenR"/>
+            </a:pPr>
+            <a:r>
+              <a:rPr lang="en-IN" sz="2000" dirty="0" smtClean="0">
+                <a:solidFill>
+                  <a:schemeClr val="tx1"/>
+                </a:solidFill>
+                <a:latin typeface="Calibri" pitchFamily="34" charset="0"/>
+              </a:rPr>
+              <a:t>Students Vs Professionals</a:t>
+            </a:r>
+            <a:endParaRPr lang="en-IN" sz="2000" dirty="0" smtClean="0">
               <a:solidFill>
                 <a:schemeClr val="tx1"/>
               </a:solidFill>
@@ -14248,6 +14491,482 @@
 </file>
 
 <file path=ppt/slides/slide24.xml><?xml version="1.0" encoding="utf-8"?>
+<p:sld xmlns:a="http://schemas.openxmlformats.org/drawingml/2006/main" xmlns:r="http://schemas.openxmlformats.org/officeDocument/2006/relationships" xmlns:p="http://schemas.openxmlformats.org/presentationml/2006/main">
+  <p:cSld>
+    <p:spTree>
+      <p:nvGrpSpPr>
+        <p:cNvPr id="1" name=""/>
+        <p:cNvGrpSpPr/>
+        <p:nvPr/>
+      </p:nvGrpSpPr>
+      <p:grpSpPr>
+        <a:xfrm>
+          <a:off x="0" y="0"/>
+          <a:ext cx="0" cy="0"/>
+          <a:chOff x="0" y="0"/>
+          <a:chExt cx="0" cy="0"/>
+        </a:xfrm>
+      </p:grpSpPr>
+      <p:sp>
+        <p:nvSpPr>
+          <p:cNvPr id="2" name="Title 1"/>
+          <p:cNvSpPr>
+            <a:spLocks noGrp="1"/>
+          </p:cNvSpPr>
+          <p:nvPr>
+            <p:ph type="ctrTitle"/>
+          </p:nvPr>
+        </p:nvSpPr>
+        <p:spPr>
+          <a:xfrm>
+            <a:off x="500034" y="285728"/>
+            <a:ext cx="7772400" cy="1470025"/>
+          </a:xfrm>
+        </p:spPr>
+        <p:txBody>
+          <a:bodyPr>
+            <a:normAutofit/>
+          </a:bodyPr>
+          <a:lstStyle/>
+          <a:p>
+            <a:pPr algn="l"/>
+            <a:r>
+              <a:rPr lang="en-IN" sz="4800" b="1" dirty="0" smtClean="0">
+                <a:latin typeface="Calibri" pitchFamily="34" charset="0"/>
+              </a:rPr>
+              <a:t>Related Work:</a:t>
+            </a:r>
+            <a:endParaRPr lang="en-IN" sz="4800" b="1" dirty="0">
+              <a:latin typeface="Calibri" pitchFamily="34" charset="0"/>
+            </a:endParaRPr>
+          </a:p>
+        </p:txBody>
+      </p:sp>
+      <p:sp>
+        <p:nvSpPr>
+          <p:cNvPr id="3" name="Subtitle 2"/>
+          <p:cNvSpPr>
+            <a:spLocks noGrp="1"/>
+          </p:cNvSpPr>
+          <p:nvPr>
+            <p:ph type="subTitle" idx="1"/>
+          </p:nvPr>
+        </p:nvSpPr>
+        <p:spPr>
+          <a:xfrm>
+            <a:off x="571472" y="1643050"/>
+            <a:ext cx="8358246" cy="4071966"/>
+          </a:xfrm>
+          <a:noFill/>
+        </p:spPr>
+        <p:txBody>
+          <a:bodyPr>
+            <a:normAutofit/>
+          </a:bodyPr>
+          <a:lstStyle/>
+          <a:p>
+            <a:pPr lvl="1" indent="-457200" algn="l">
+              <a:buFont typeface="Arial"/>
+              <a:buAutoNum type="arabicParenR"/>
+            </a:pPr>
+            <a:r>
+              <a:rPr lang="en-IN" sz="2000" dirty="0" smtClean="0">
+                <a:solidFill>
+                  <a:schemeClr val="tx1"/>
+                </a:solidFill>
+                <a:latin typeface="Calibri" pitchFamily="34" charset="0"/>
+              </a:rPr>
+              <a:t>“</a:t>
+            </a:r>
+            <a:r>
+              <a:rPr lang="en-IN" sz="2000" b="1" dirty="0" smtClean="0">
+                <a:solidFill>
+                  <a:schemeClr val="tx1"/>
+                </a:solidFill>
+                <a:latin typeface="Calibri" pitchFamily="34" charset="0"/>
+              </a:rPr>
+              <a:t>A practical guide to </a:t>
+            </a:r>
+            <a:r>
+              <a:rPr lang="en-IN" sz="2000" b="1" dirty="0" smtClean="0">
+                <a:solidFill>
+                  <a:schemeClr val="tx1"/>
+                </a:solidFill>
+                <a:latin typeface="Calibri" pitchFamily="34" charset="0"/>
+              </a:rPr>
+              <a:t>product line scoping</a:t>
+            </a:r>
+            <a:r>
+              <a:rPr lang="en-IN" sz="2000" dirty="0" smtClean="0">
+                <a:solidFill>
+                  <a:schemeClr val="tx1"/>
+                </a:solidFill>
+                <a:latin typeface="Calibri" pitchFamily="34" charset="0"/>
+              </a:rPr>
+              <a:t>” report industrial case study where information retrieval techniques reduced the analysts cognitive load by 60%.</a:t>
+            </a:r>
+          </a:p>
+          <a:p>
+            <a:pPr lvl="1" indent="-457200" algn="l">
+              <a:buFont typeface="Arial"/>
+              <a:buAutoNum type="arabicParenR"/>
+            </a:pPr>
+            <a:r>
+              <a:rPr lang="en-IN" sz="2000" dirty="0" smtClean="0">
+                <a:solidFill>
+                  <a:schemeClr val="tx1"/>
+                </a:solidFill>
+                <a:latin typeface="Calibri" pitchFamily="34" charset="0"/>
+              </a:rPr>
+              <a:t> Other paper </a:t>
+            </a:r>
+            <a:r>
+              <a:rPr lang="en-IN" sz="2000" dirty="0" smtClean="0">
+                <a:solidFill>
+                  <a:schemeClr val="tx1"/>
+                </a:solidFill>
+                <a:latin typeface="Calibri" pitchFamily="34" charset="0"/>
+              </a:rPr>
+              <a:t>report </a:t>
+            </a:r>
+            <a:r>
+              <a:rPr lang="en-IN" sz="2000" dirty="0" smtClean="0">
+                <a:solidFill>
+                  <a:schemeClr val="tx1"/>
+                </a:solidFill>
+                <a:latin typeface="Calibri" pitchFamily="34" charset="0"/>
+              </a:rPr>
+              <a:t>a controlled experiment </a:t>
+            </a:r>
+            <a:r>
+              <a:rPr lang="en-IN" sz="2000" dirty="0" smtClean="0">
+                <a:solidFill>
+                  <a:schemeClr val="tx1"/>
+                </a:solidFill>
+                <a:latin typeface="Calibri" pitchFamily="34" charset="0"/>
+              </a:rPr>
+              <a:t>where the </a:t>
+            </a:r>
+            <a:r>
+              <a:rPr lang="en-IN" sz="2000" dirty="0" smtClean="0">
+                <a:solidFill>
+                  <a:schemeClr val="tx1"/>
+                </a:solidFill>
+                <a:latin typeface="Calibri" pitchFamily="34" charset="0"/>
+              </a:rPr>
+              <a:t>adoption of </a:t>
+            </a:r>
+            <a:r>
+              <a:rPr lang="en-IN" sz="2000" dirty="0" smtClean="0">
+                <a:solidFill>
+                  <a:schemeClr val="tx1"/>
+                </a:solidFill>
+                <a:latin typeface="Calibri" pitchFamily="34" charset="0"/>
+              </a:rPr>
+              <a:t>the </a:t>
+            </a:r>
+            <a:r>
+              <a:rPr lang="en-IN" sz="2000" dirty="0" err="1" smtClean="0">
+                <a:solidFill>
+                  <a:schemeClr val="tx1"/>
+                </a:solidFill>
+                <a:latin typeface="Calibri" pitchFamily="34" charset="0"/>
+              </a:rPr>
+              <a:t>ReqSimile</a:t>
+            </a:r>
+            <a:r>
+              <a:rPr lang="en-IN" sz="2000" dirty="0" smtClean="0">
+                <a:solidFill>
+                  <a:schemeClr val="tx1"/>
+                </a:solidFill>
+                <a:latin typeface="Calibri" pitchFamily="34" charset="0"/>
+              </a:rPr>
+              <a:t> tool </a:t>
+            </a:r>
+            <a:r>
+              <a:rPr lang="en-IN" sz="2000" dirty="0" smtClean="0">
+                <a:solidFill>
+                  <a:schemeClr val="tx1"/>
+                </a:solidFill>
+                <a:latin typeface="Calibri" pitchFamily="34" charset="0"/>
+              </a:rPr>
+              <a:t>improved correctness </a:t>
+            </a:r>
+            <a:r>
+              <a:rPr lang="en-IN" sz="2000" dirty="0" smtClean="0">
+                <a:solidFill>
+                  <a:schemeClr val="tx1"/>
+                </a:solidFill>
+                <a:latin typeface="Calibri" pitchFamily="34" charset="0"/>
+              </a:rPr>
+              <a:t>and decreased effort </a:t>
+            </a:r>
+            <a:r>
+              <a:rPr lang="en-IN" sz="2000" dirty="0" smtClean="0">
+                <a:solidFill>
+                  <a:schemeClr val="tx1"/>
+                </a:solidFill>
+                <a:latin typeface="Calibri" pitchFamily="34" charset="0"/>
+              </a:rPr>
+              <a:t>in linking </a:t>
+            </a:r>
+            <a:r>
+              <a:rPr lang="en-IN" sz="2000" dirty="0" smtClean="0">
+                <a:solidFill>
+                  <a:schemeClr val="tx1"/>
+                </a:solidFill>
+                <a:latin typeface="Calibri" pitchFamily="34" charset="0"/>
+              </a:rPr>
+              <a:t>similar requirements</a:t>
+            </a:r>
+            <a:r>
+              <a:rPr lang="en-IN" sz="2000" dirty="0" smtClean="0">
+                <a:solidFill>
+                  <a:schemeClr val="tx1"/>
+                </a:solidFill>
+                <a:latin typeface="Calibri" pitchFamily="34" charset="0"/>
+              </a:rPr>
+              <a:t>.</a:t>
+            </a:r>
+          </a:p>
+          <a:p>
+            <a:pPr lvl="1" indent="-457200" algn="l"/>
+            <a:endParaRPr lang="en-IN" sz="2000" dirty="0" smtClean="0">
+              <a:solidFill>
+                <a:schemeClr val="tx1"/>
+              </a:solidFill>
+              <a:latin typeface="Calibri" pitchFamily="34" charset="0"/>
+            </a:endParaRPr>
+          </a:p>
+          <a:p>
+            <a:pPr lvl="1" indent="-457200" algn="l"/>
+            <a:r>
+              <a:rPr lang="en-IN" sz="2000" dirty="0" smtClean="0">
+                <a:solidFill>
+                  <a:schemeClr val="tx1"/>
+                </a:solidFill>
+                <a:latin typeface="Calibri" pitchFamily="34" charset="0"/>
+              </a:rPr>
+              <a:t>However, The Uniqueness of the research paper compared to other similar studies are:</a:t>
+            </a:r>
+          </a:p>
+          <a:p>
+            <a:pPr lvl="2" indent="-457200" algn="l">
+              <a:buFont typeface="Arial" pitchFamily="34" charset="0"/>
+              <a:buChar char="•"/>
+            </a:pPr>
+            <a:r>
+              <a:rPr lang="en-IN" sz="1600" dirty="0" smtClean="0">
+                <a:solidFill>
+                  <a:schemeClr val="tx1"/>
+                </a:solidFill>
+                <a:latin typeface="Calibri" pitchFamily="34" charset="0"/>
+              </a:rPr>
+              <a:t>Cross randomized design</a:t>
+            </a:r>
+          </a:p>
+          <a:p>
+            <a:pPr lvl="2" indent="-457200" algn="l">
+              <a:buFont typeface="Arial" pitchFamily="34" charset="0"/>
+              <a:buChar char="•"/>
+            </a:pPr>
+            <a:r>
+              <a:rPr lang="en-IN" sz="1600" dirty="0" smtClean="0">
+                <a:solidFill>
+                  <a:schemeClr val="tx1"/>
+                </a:solidFill>
+                <a:latin typeface="Calibri" pitchFamily="34" charset="0"/>
+              </a:rPr>
+              <a:t>Balanced proportion </a:t>
+            </a:r>
+          </a:p>
+          <a:p>
+            <a:pPr lvl="2" indent="-457200" algn="l">
+              <a:buFont typeface="Arial" pitchFamily="34" charset="0"/>
+              <a:buChar char="•"/>
+            </a:pPr>
+            <a:r>
+              <a:rPr lang="en-IN" sz="1600" dirty="0" smtClean="0">
+                <a:solidFill>
+                  <a:schemeClr val="tx1"/>
+                </a:solidFill>
+                <a:latin typeface="Calibri" pitchFamily="34" charset="0"/>
+              </a:rPr>
+              <a:t>Combination of industrial case study and experiment to achieve control and realism</a:t>
+            </a:r>
+            <a:endParaRPr lang="en-IN" sz="1600" dirty="0" smtClean="0">
+              <a:solidFill>
+                <a:schemeClr val="tx1"/>
+              </a:solidFill>
+              <a:latin typeface="Calibri" pitchFamily="34" charset="0"/>
+            </a:endParaRPr>
+          </a:p>
+        </p:txBody>
+      </p:sp>
+    </p:spTree>
+  </p:cSld>
+  <p:clrMapOvr>
+    <a:masterClrMapping/>
+  </p:clrMapOvr>
+  <p:timing>
+    <p:tnLst>
+      <p:par>
+        <p:cTn id="1" dur="indefinite" restart="never" nodeType="tmRoot"/>
+      </p:par>
+    </p:tnLst>
+  </p:timing>
+</p:sld>
+</file>
+
+<file path=ppt/slides/slide25.xml><?xml version="1.0" encoding="utf-8"?>
+<p:sld xmlns:a="http://schemas.openxmlformats.org/drawingml/2006/main" xmlns:r="http://schemas.openxmlformats.org/officeDocument/2006/relationships" xmlns:p="http://schemas.openxmlformats.org/presentationml/2006/main">
+  <p:cSld>
+    <p:spTree>
+      <p:nvGrpSpPr>
+        <p:cNvPr id="1" name=""/>
+        <p:cNvGrpSpPr/>
+        <p:nvPr/>
+      </p:nvGrpSpPr>
+      <p:grpSpPr>
+        <a:xfrm>
+          <a:off x="0" y="0"/>
+          <a:ext cx="0" cy="0"/>
+          <a:chOff x="0" y="0"/>
+          <a:chExt cx="0" cy="0"/>
+        </a:xfrm>
+      </p:grpSpPr>
+      <p:sp>
+        <p:nvSpPr>
+          <p:cNvPr id="2" name="Title 1"/>
+          <p:cNvSpPr>
+            <a:spLocks noGrp="1"/>
+          </p:cNvSpPr>
+          <p:nvPr>
+            <p:ph type="ctrTitle"/>
+          </p:nvPr>
+        </p:nvSpPr>
+        <p:spPr>
+          <a:xfrm>
+            <a:off x="500034" y="285728"/>
+            <a:ext cx="7772400" cy="1470025"/>
+          </a:xfrm>
+        </p:spPr>
+        <p:txBody>
+          <a:bodyPr>
+            <a:normAutofit/>
+          </a:bodyPr>
+          <a:lstStyle/>
+          <a:p>
+            <a:pPr algn="l"/>
+            <a:r>
+              <a:rPr lang="en-IN" sz="4800" b="1" dirty="0" smtClean="0">
+                <a:latin typeface="Calibri" pitchFamily="34" charset="0"/>
+              </a:rPr>
+              <a:t>Conclusion</a:t>
+            </a:r>
+            <a:endParaRPr lang="en-IN" sz="4800" b="1" dirty="0">
+              <a:latin typeface="Calibri" pitchFamily="34" charset="0"/>
+            </a:endParaRPr>
+          </a:p>
+        </p:txBody>
+      </p:sp>
+      <p:sp>
+        <p:nvSpPr>
+          <p:cNvPr id="3" name="Subtitle 2"/>
+          <p:cNvSpPr>
+            <a:spLocks noGrp="1"/>
+          </p:cNvSpPr>
+          <p:nvPr>
+            <p:ph type="subTitle" idx="1"/>
+          </p:nvPr>
+        </p:nvSpPr>
+        <p:spPr>
+          <a:xfrm>
+            <a:off x="571472" y="1643050"/>
+            <a:ext cx="8358246" cy="3857652"/>
+          </a:xfrm>
+          <a:noFill/>
+        </p:spPr>
+        <p:txBody>
+          <a:bodyPr>
+            <a:normAutofit/>
+          </a:bodyPr>
+          <a:lstStyle/>
+          <a:p>
+            <a:pPr lvl="1" indent="-457200" algn="l">
+              <a:buFont typeface="Arial"/>
+              <a:buAutoNum type="arabicParenR"/>
+            </a:pPr>
+            <a:r>
+              <a:rPr lang="en-IN" sz="2000" dirty="0" smtClean="0">
+                <a:solidFill>
+                  <a:schemeClr val="tx1"/>
+                </a:solidFill>
+                <a:latin typeface="Calibri" pitchFamily="34" charset="0"/>
+              </a:rPr>
+              <a:t>Even though NLP techniques have been the subjects of several research investigations, still cannot compare which one is better than another in specific contexts.</a:t>
+            </a:r>
+          </a:p>
+          <a:p>
+            <a:pPr lvl="1" indent="-457200" algn="l">
+              <a:buFont typeface="Arial"/>
+              <a:buAutoNum type="arabicParenR"/>
+            </a:pPr>
+            <a:endParaRPr lang="en-IN" sz="2000" dirty="0" smtClean="0">
+              <a:solidFill>
+                <a:schemeClr val="tx1"/>
+              </a:solidFill>
+              <a:latin typeface="Calibri" pitchFamily="34" charset="0"/>
+            </a:endParaRPr>
+          </a:p>
+          <a:p>
+            <a:pPr lvl="1" indent="-457200" algn="l">
+              <a:buFont typeface="Arial"/>
+              <a:buAutoNum type="arabicParenR"/>
+            </a:pPr>
+            <a:r>
+              <a:rPr lang="en-IN" sz="2000" b="1" dirty="0" smtClean="0">
+                <a:solidFill>
+                  <a:schemeClr val="tx1"/>
+                </a:solidFill>
+                <a:latin typeface="Calibri" pitchFamily="34" charset="0"/>
+              </a:rPr>
+              <a:t>Future Work: </a:t>
+            </a:r>
+            <a:r>
+              <a:rPr lang="en-IN" sz="2000" dirty="0" smtClean="0">
+                <a:solidFill>
+                  <a:schemeClr val="tx1"/>
+                </a:solidFill>
+                <a:latin typeface="Calibri" pitchFamily="34" charset="0"/>
+              </a:rPr>
+              <a:t>Effort saving using NLP techniques to establish requirement relations like ( inclusion, exclusion) different from equivalence.</a:t>
+            </a:r>
+            <a:endParaRPr lang="en-IN" sz="2000" b="1" dirty="0" smtClean="0">
+              <a:solidFill>
+                <a:schemeClr val="tx1"/>
+              </a:solidFill>
+              <a:latin typeface="Calibri" pitchFamily="34" charset="0"/>
+            </a:endParaRPr>
+          </a:p>
+        </p:txBody>
+      </p:sp>
+    </p:spTree>
+  </p:cSld>
+  <p:clrMapOvr>
+    <a:masterClrMapping/>
+  </p:clrMapOvr>
+  <p:timing>
+    <p:tnLst>
+      <p:par>
+        <p:cTn id="1" dur="indefinite" restart="never" nodeType="tmRoot"/>
+      </p:par>
+    </p:tnLst>
+  </p:timing>
+</p:sld>
+</file>
+
+<file path=ppt/slides/slide26.xml><?xml version="1.0" encoding="utf-8"?>
 <p:sld xmlns:a="http://schemas.openxmlformats.org/drawingml/2006/main" xmlns:r="http://schemas.openxmlformats.org/officeDocument/2006/relationships" xmlns:p="http://schemas.openxmlformats.org/presentationml/2006/main">
   <p:cSld>
     <p:spTree>
